--- a/docs/Forward Secrecy in Java.pptx
+++ b/docs/Forward Secrecy in Java.pptx
@@ -857,15 +857,7 @@
             </a:r>
             <a:r>
               <a:rPr lang="en-GB" dirty="0" smtClean="0"/>
-              <a:t>http</a:t>
-            </a:r>
-            <a:r>
-              <a:rPr lang="en-GB" dirty="0" smtClean="0"/>
-              <a:t>://</a:t>
-            </a:r>
-            <a:r>
-              <a:rPr lang="en-GB" dirty="0" smtClean="0"/>
-              <a:t>bugcharmer.blogspot.co.uk/2012/06/how-big-is-2128.html.</a:t>
+              <a:t>http://bugcharmer.blogspot.co.uk/2012/06/how-big-is-2128.html.</a:t>
             </a:r>
           </a:p>
           <a:p>
@@ -977,7 +969,6 @@
               <a:rPr lang="en-GB" baseline="0" dirty="0" smtClean="0"/>
               <a:t>This is also really difficult.</a:t>
             </a:r>
-            <a:endParaRPr lang="en-GB" baseline="0" dirty="0" smtClean="0"/>
           </a:p>
           <a:p>
             <a:endParaRPr lang="en-GB" baseline="0" dirty="0" smtClean="0"/>
@@ -5053,11 +5044,7 @@
             </a:r>
             <a:r>
               <a:rPr lang="en-GB" baseline="0" dirty="0" smtClean="0"/>
-              <a:t> </a:t>
-            </a:r>
-            <a:r>
-              <a:rPr lang="en-GB" baseline="0" dirty="0" smtClean="0"/>
-              <a:t>conversations between Alice and Bob can be recorded by Eve, who hopes that one day the secret key will be available to her.</a:t>
+              <a:t> conversations between Alice and Bob can be recorded by Eve, who hopes that one day the secret key will be available to her.</a:t>
             </a:r>
             <a:endParaRPr lang="en-GB" dirty="0"/>
           </a:p>
@@ -17676,7 +17663,17 @@
                   </a:glow>
                 </a:effectLst>
               </a:rPr>
-              <a:t> </a:t>
+              <a:t> (2</a:t>
+            </a:r>
+            <a:r>
+              <a:rPr lang="en-GB" i="1" baseline="30000" dirty="0" smtClean="0">
+                <a:effectLst>
+                  <a:glow rad="101600">
+                    <a:schemeClr val="bg1"/>
+                  </a:glow>
+                </a:effectLst>
+              </a:rPr>
+              <a:t>128</a:t>
             </a:r>
             <a:r>
               <a:rPr lang="en-GB" i="1" dirty="0" smtClean="0">
@@ -17686,37 +17683,7 @@
                   </a:glow>
                 </a:effectLst>
               </a:rPr>
-              <a:t>(2</a:t>
-            </a:r>
-            <a:r>
-              <a:rPr lang="en-GB" i="1" baseline="30000" dirty="0" smtClean="0">
-                <a:effectLst>
-                  <a:glow rad="101600">
-                    <a:schemeClr val="bg1"/>
-                  </a:glow>
-                </a:effectLst>
-              </a:rPr>
-              <a:t>128</a:t>
-            </a:r>
-            <a:r>
-              <a:rPr lang="en-GB" i="1" dirty="0" smtClean="0">
-                <a:effectLst>
-                  <a:glow rad="101600">
-                    <a:schemeClr val="bg1"/>
-                  </a:glow>
-                </a:effectLst>
-              </a:rPr>
-              <a:t>) keys </a:t>
-            </a:r>
-            <a:r>
-              <a:rPr lang="en-GB" i="1" dirty="0" smtClean="0">
-                <a:effectLst>
-                  <a:glow rad="101600">
-                    <a:schemeClr val="bg1"/>
-                  </a:glow>
-                </a:effectLst>
-              </a:rPr>
-              <a:t>later….</a:t>
+              <a:t>) keys later….</a:t>
             </a:r>
             <a:endParaRPr lang="en-GB" sz="1600" i="1" dirty="0">
               <a:effectLst>
@@ -17813,11 +17780,7 @@
           <a:p>
             <a:r>
               <a:rPr lang="en-GB" dirty="0" smtClean="0"/>
-              <a:t>Eve’s Attacks – Cracking the encryption </a:t>
-            </a:r>
-            <a:r>
-              <a:rPr lang="en-GB" dirty="0" smtClean="0"/>
-              <a:t>algorithms and protocols</a:t>
+              <a:t>Eve’s Attacks – Cracking the encryption algorithms and protocols</a:t>
             </a:r>
             <a:endParaRPr lang="en-GB" dirty="0"/>
           </a:p>
@@ -18081,15 +18044,7 @@
           <a:p>
             <a:r>
               <a:rPr lang="en-GB" dirty="0" smtClean="0"/>
-              <a:t>Eve’s Attacks </a:t>
-            </a:r>
-            <a:r>
-              <a:rPr lang="en-GB" dirty="0" smtClean="0"/>
-              <a:t>– Human Weaknesses &amp; </a:t>
-            </a:r>
-            <a:r>
-              <a:rPr lang="en-GB" dirty="0" smtClean="0"/>
-              <a:t>Social Engineering</a:t>
+              <a:t>Eve’s Attacks – Human Weaknesses &amp; Social Engineering</a:t>
             </a:r>
             <a:endParaRPr lang="en-GB" dirty="0"/>
           </a:p>
@@ -31513,23 +31468,7 @@
           <a:p>
             <a:r>
               <a:rPr lang="en-GB" dirty="0" smtClean="0"/>
-              <a:t>If the </a:t>
-            </a:r>
-            <a:r>
-              <a:rPr lang="en-GB" dirty="0" smtClean="0"/>
-              <a:t>ephemeral </a:t>
-            </a:r>
-            <a:r>
-              <a:rPr lang="en-GB" dirty="0" smtClean="0"/>
-              <a:t>key </a:t>
-            </a:r>
-            <a:r>
-              <a:rPr lang="en-GB" dirty="0" smtClean="0"/>
-              <a:t>is obtained then only </a:t>
-            </a:r>
-            <a:r>
-              <a:rPr lang="en-GB" dirty="0" smtClean="0"/>
-              <a:t>one conversation can be decrypted.</a:t>
+              <a:t>If the ephemeral key is obtained then only one conversation can be decrypted.</a:t>
             </a:r>
             <a:endParaRPr lang="en-GB" dirty="0"/>
           </a:p>
@@ -39727,8 +39666,13 @@
           <a:p>
             <a:r>
               <a:rPr lang="en-GB" dirty="0" smtClean="0"/>
-              <a:t>All code, docs and this presentation.</a:t>
-            </a:r>
+              <a:t>Code, Document </a:t>
+            </a:r>
+            <a:r>
+              <a:rPr lang="en-GB" smtClean="0"/>
+              <a:t>&amp; Presentation</a:t>
+            </a:r>
+            <a:endParaRPr lang="en-GB" dirty="0" smtClean="0"/>
           </a:p>
           <a:p>
             <a:pPr lvl="1"/>
@@ -46203,6 +46147,15 @@
 
 <file path=customXml/item1.xml><?xml version="1.0" encoding="utf-8"?>
 <?mso-contentType ?>
+<FormTemplates xmlns="http://schemas.microsoft.com/sharepoint/v3/contenttype/forms">
+  <Display>DocumentLibraryForm</Display>
+  <Edit>DocumentLibraryForm</Edit>
+  <New>DocumentLibraryForm</New>
+</FormTemplates>
+</file>
+
+<file path=customXml/item2.xml><?xml version="1.0" encoding="utf-8"?>
+<?mso-contentType ?>
 <spe:Receivers xmlns:spe="http://schemas.microsoft.com/sharepoint/events">
   <Receiver>
     <Name>Document ID Generator</Name>
@@ -46251,30 +46204,7 @@
 </spe:Receivers>
 </file>
 
-<file path=customXml/item2.xml><?xml version="1.0" encoding="utf-8"?>
-<?mso-contentType ?>
-<FormTemplates xmlns="http://schemas.microsoft.com/sharepoint/v3/contenttype/forms">
-  <Display>DocumentLibraryForm</Display>
-  <Edit>DocumentLibraryForm</Edit>
-  <New>DocumentLibraryForm</New>
-</FormTemplates>
-</file>
-
 <file path=customXml/item3.xml><?xml version="1.0" encoding="utf-8"?>
-<p:properties xmlns:p="http://schemas.microsoft.com/office/2006/metadata/properties" xmlns:xsi="http://www.w3.org/2001/XMLSchema-instance" xmlns:pc="http://schemas.microsoft.com/office/infopath/2007/PartnerControls">
-  <documentManagement>
-    <PublishingExpirationDate xmlns="http://schemas.microsoft.com/sharepoint/v3" xsi:nil="true"/>
-    <PublishingStartDate xmlns="http://schemas.microsoft.com/sharepoint/v3" xsi:nil="true"/>
-    <_dlc_DocId xmlns="75d3eb8d-941e-4d12-aab6-78def88143af">VEAJPCX6KRYV-13-155</_dlc_DocId>
-    <_dlc_DocIdUrl xmlns="75d3eb8d-941e-4d12-aab6-78def88143af">
-      <Url>http://sharepoint.worldpay.local/news/_layouts/15/DocIdRedir.aspx?ID=VEAJPCX6KRYV-13-155</Url>
-      <Description>VEAJPCX6KRYV-13-155</Description>
-    </_dlc_DocIdUrl>
-  </documentManagement>
-</p:properties>
-</file>
-
-<file path=customXml/item4.xml><?xml version="1.0" encoding="utf-8"?>
 <ct:contentTypeSchema xmlns:ct="http://schemas.microsoft.com/office/2006/metadata/contentType" xmlns:ma="http://schemas.microsoft.com/office/2006/metadata/properties/metaAttributes" ct:_="" ma:_="" ma:contentTypeName="Document" ma:contentTypeID="0x01010058550FC652534749B5EF4F1DBF40CCC2" ma:contentTypeVersion="1" ma:contentTypeDescription="Create a new document." ma:contentTypeScope="" ma:versionID="d86062c36f27d3ea5e56195912a48bae">
   <xsd:schema xmlns:xsd="http://www.w3.org/2001/XMLSchema" xmlns:xs="http://www.w3.org/2001/XMLSchema" xmlns:p="http://schemas.microsoft.com/office/2006/metadata/properties" xmlns:ns1="http://schemas.microsoft.com/sharepoint/v3" xmlns:ns2="75d3eb8d-941e-4d12-aab6-78def88143af" targetNamespace="http://schemas.microsoft.com/office/2006/metadata/properties" ma:root="true" ma:fieldsID="9de8c78c522bc83f1b94e13535ee81b9" ns1:_="" ns2:_="">
     <xsd:import namespace="http://schemas.microsoft.com/sharepoint/v3"/>
@@ -46436,7 +46366,29 @@
 </ct:contentTypeSchema>
 </file>
 
+<file path=customXml/item4.xml><?xml version="1.0" encoding="utf-8"?>
+<p:properties xmlns:p="http://schemas.microsoft.com/office/2006/metadata/properties" xmlns:xsi="http://www.w3.org/2001/XMLSchema-instance" xmlns:pc="http://schemas.microsoft.com/office/infopath/2007/PartnerControls">
+  <documentManagement>
+    <PublishingExpirationDate xmlns="http://schemas.microsoft.com/sharepoint/v3" xsi:nil="true"/>
+    <PublishingStartDate xmlns="http://schemas.microsoft.com/sharepoint/v3" xsi:nil="true"/>
+    <_dlc_DocId xmlns="75d3eb8d-941e-4d12-aab6-78def88143af">VEAJPCX6KRYV-13-155</_dlc_DocId>
+    <_dlc_DocIdUrl xmlns="75d3eb8d-941e-4d12-aab6-78def88143af">
+      <Url>http://sharepoint.worldpay.local/news/_layouts/15/DocIdRedir.aspx?ID=VEAJPCX6KRYV-13-155</Url>
+      <Description>VEAJPCX6KRYV-13-155</Description>
+    </_dlc_DocIdUrl>
+  </documentManagement>
+</p:properties>
+</file>
+
 <file path=customXml/itemProps1.xml><?xml version="1.0" encoding="utf-8"?>
+<ds:datastoreItem xmlns:ds="http://schemas.openxmlformats.org/officeDocument/2006/customXml" ds:itemID="{8FB876CA-1BB0-4F08-9FE0-5634DF641F5F}">
+  <ds:schemaRefs>
+    <ds:schemaRef ds:uri="http://schemas.microsoft.com/sharepoint/v3/contenttype/forms"/>
+  </ds:schemaRefs>
+</ds:datastoreItem>
+</file>
+
+<file path=customXml/itemProps2.xml><?xml version="1.0" encoding="utf-8"?>
 <ds:datastoreItem xmlns:ds="http://schemas.openxmlformats.org/officeDocument/2006/customXml" ds:itemID="{79C9B682-2421-48C6-A59D-34852E2C6DB0}">
   <ds:schemaRefs>
     <ds:schemaRef ds:uri="http://schemas.microsoft.com/sharepoint/events"/>
@@ -46444,32 +46396,7 @@
 </ds:datastoreItem>
 </file>
 
-<file path=customXml/itemProps2.xml><?xml version="1.0" encoding="utf-8"?>
-<ds:datastoreItem xmlns:ds="http://schemas.openxmlformats.org/officeDocument/2006/customXml" ds:itemID="{8FB876CA-1BB0-4F08-9FE0-5634DF641F5F}">
-  <ds:schemaRefs>
-    <ds:schemaRef ds:uri="http://schemas.microsoft.com/sharepoint/v3/contenttype/forms"/>
-  </ds:schemaRefs>
-</ds:datastoreItem>
-</file>
-
 <file path=customXml/itemProps3.xml><?xml version="1.0" encoding="utf-8"?>
-<ds:datastoreItem xmlns:ds="http://schemas.openxmlformats.org/officeDocument/2006/customXml" ds:itemID="{BCA06568-D965-4040-8131-A60C9DC1ED24}">
-  <ds:schemaRefs>
-    <ds:schemaRef ds:uri="http://purl.org/dc/dcmitype/"/>
-    <ds:schemaRef ds:uri="http://schemas.microsoft.com/office/infopath/2007/PartnerControls"/>
-    <ds:schemaRef ds:uri="http://purl.org/dc/elements/1.1/"/>
-    <ds:schemaRef ds:uri="http://schemas.microsoft.com/office/2006/metadata/properties"/>
-    <ds:schemaRef ds:uri="http://schemas.microsoft.com/sharepoint/v3"/>
-    <ds:schemaRef ds:uri="75d3eb8d-941e-4d12-aab6-78def88143af"/>
-    <ds:schemaRef ds:uri="http://schemas.microsoft.com/office/2006/documentManagement/types"/>
-    <ds:schemaRef ds:uri="http://schemas.openxmlformats.org/package/2006/metadata/core-properties"/>
-    <ds:schemaRef ds:uri="http://www.w3.org/XML/1998/namespace"/>
-    <ds:schemaRef ds:uri="http://purl.org/dc/terms/"/>
-  </ds:schemaRefs>
-</ds:datastoreItem>
-</file>
-
-<file path=customXml/itemProps4.xml><?xml version="1.0" encoding="utf-8"?>
 <ds:datastoreItem xmlns:ds="http://schemas.openxmlformats.org/officeDocument/2006/customXml" ds:itemID="{B31DCB88-E173-47AE-B48C-4160856940B8}">
   <ds:schemaRefs>
     <ds:schemaRef ds:uri="http://schemas.microsoft.com/office/2006/metadata/contentType"/>
@@ -46486,4 +46413,21 @@
     <ds:schemaRef ds:uri="http://schemas.microsoft.com/internal/obd"/>
   </ds:schemaRefs>
 </ds:datastoreItem>
+</file>
+
+<file path=customXml/itemProps4.xml><?xml version="1.0" encoding="utf-8"?>
+<ds:datastoreItem xmlns:ds="http://schemas.openxmlformats.org/officeDocument/2006/customXml" ds:itemID="{BCA06568-D965-4040-8131-A60C9DC1ED24}">
+  <ds:schemaRefs>
+    <ds:schemaRef ds:uri="http://purl.org/dc/dcmitype/"/>
+    <ds:schemaRef ds:uri="http://schemas.microsoft.com/office/infopath/2007/PartnerControls"/>
+    <ds:schemaRef ds:uri="http://purl.org/dc/elements/1.1/"/>
+    <ds:schemaRef ds:uri="http://schemas.microsoft.com/office/2006/metadata/properties"/>
+    <ds:schemaRef ds:uri="http://schemas.microsoft.com/sharepoint/v3"/>
+    <ds:schemaRef ds:uri="75d3eb8d-941e-4d12-aab6-78def88143af"/>
+    <ds:schemaRef ds:uri="http://schemas.microsoft.com/office/2006/documentManagement/types"/>
+    <ds:schemaRef ds:uri="http://schemas.openxmlformats.org/package/2006/metadata/core-properties"/>
+    <ds:schemaRef ds:uri="http://www.w3.org/XML/1998/namespace"/>
+    <ds:schemaRef ds:uri="http://purl.org/dc/terms/"/>
+  </ds:schemaRefs>
+</ds:datastoreItem>
 </file>
--- a/docs/Forward Secrecy in Java.pptx
+++ b/docs/Forward Secrecy in Java.pptx
@@ -39666,11 +39666,7 @@
           <a:p>
             <a:r>
               <a:rPr lang="en-GB" dirty="0" smtClean="0"/>
-              <a:t>Code, Document </a:t>
-            </a:r>
-            <a:r>
-              <a:rPr lang="en-GB" smtClean="0"/>
-              <a:t>&amp; Presentation</a:t>
+              <a:t>Code, Document &amp; Presentation</a:t>
             </a:r>
             <a:endParaRPr lang="en-GB" dirty="0" smtClean="0"/>
           </a:p>
@@ -39707,7 +39703,11 @@
           <a:p>
             <a:r>
               <a:rPr lang="en-GB" dirty="0" smtClean="0"/>
-              <a:t>Where’s the code?</a:t>
+              <a:t>Forward </a:t>
+            </a:r>
+            <a:r>
+              <a:rPr lang="en-GB" smtClean="0"/>
+              <a:t>Secrecy Downloads</a:t>
             </a:r>
             <a:endParaRPr lang="en-GB" dirty="0"/>
           </a:p>
